--- a/Trabalho/Trabalho delivery.pptx
+++ b/Trabalho/Trabalho delivery.pptx
@@ -8,6 +8,8 @@
     <p:sldId id="256" r:id="rId2"/>
     <p:sldId id="257" r:id="rId3"/>
     <p:sldId id="258" r:id="rId4"/>
+    <p:sldId id="260" r:id="rId5"/>
+    <p:sldId id="259" r:id="rId6"/>
   </p:sldIdLst>
   <p:sldSz cx="12192000" cy="6858000"/>
   <p:notesSz cx="6858000" cy="9144000"/>
@@ -106,6 +108,11 @@
       </a:defRPr>
     </a:lvl9pPr>
   </p:defaultTextStyle>
+  <p:extLst>
+    <p:ext uri="{EFAFB233-063F-42B5-8137-9DF3F51BA10A}">
+      <p15:sldGuideLst xmlns:p15="http://schemas.microsoft.com/office/powerpoint/2012/main"/>
+    </p:ext>
+  </p:extLst>
 </p:presentation>
 </file>
 
@@ -5081,397 +5088,9 @@
           <a:chExt cx="0" cy="0"/>
         </a:xfrm>
       </p:grpSpPr>
-      <p:pic>
-        <p:nvPicPr>
-          <p:cNvPr id="8" name="Picture 1">
-            <a:extLst>
-              <a:ext uri="{FF2B5EF4-FFF2-40B4-BE49-F238E27FC236}">
-                <a16:creationId xmlns:a16="http://schemas.microsoft.com/office/drawing/2014/main" id="{D9E5362B-1AC1-4FEC-B83C-F91632F226FC}"/>
-              </a:ext>
-            </a:extLst>
-          </p:cNvPr>
-          <p:cNvPicPr>
-            <a:picLocks noChangeAspect="1"/>
-          </p:cNvPicPr>
-          <p:nvPr/>
-        </p:nvPicPr>
-        <p:blipFill rotWithShape="1">
-          <a:blip r:embed="rId2">
-            <a:alphaModFix amt="40000"/>
-          </a:blip>
-          <a:srcRect t="12688" b="3042"/>
-          <a:stretch/>
-        </p:blipFill>
-        <p:spPr>
-          <a:xfrm>
-            <a:off x="20" y="10"/>
-            <a:ext cx="12191979" cy="6857990"/>
-          </a:xfrm>
-          <a:prstGeom prst="rect">
-            <a:avLst/>
-          </a:prstGeom>
-        </p:spPr>
-      </p:pic>
-      <p:sp>
-        <p:nvSpPr>
-          <p:cNvPr id="4" name="Título 1">
-            <a:extLst>
-              <a:ext uri="{FF2B5EF4-FFF2-40B4-BE49-F238E27FC236}">
-                <a16:creationId xmlns:a16="http://schemas.microsoft.com/office/drawing/2014/main" id="{EFB685D1-9AFC-46AF-B9CB-D81DE9B19273}"/>
-              </a:ext>
-            </a:extLst>
-          </p:cNvPr>
-          <p:cNvSpPr txBox="1">
-            <a:spLocks/>
-          </p:cNvSpPr>
-          <p:nvPr/>
-        </p:nvSpPr>
-        <p:spPr>
-          <a:xfrm>
-            <a:off x="841249" y="941832"/>
-            <a:ext cx="10506456" cy="2057400"/>
-          </a:xfrm>
-          <a:prstGeom prst="rect">
-            <a:avLst/>
-          </a:prstGeom>
-        </p:spPr>
-        <p:txBody>
-          <a:bodyPr vert="horz" lIns="91440" tIns="45720" rIns="91440" bIns="45720" rtlCol="0" anchor="b">
-            <a:normAutofit/>
-          </a:bodyPr>
-          <a:lstStyle>
-            <a:lvl1pPr algn="ctr" defTabSz="914400" rtl="0" eaLnBrk="1" latinLnBrk="0" hangingPunct="1">
-              <a:lnSpc>
-                <a:spcPct val="90000"/>
-              </a:lnSpc>
-              <a:spcBef>
-                <a:spcPct val="0"/>
-              </a:spcBef>
-              <a:buNone/>
-              <a:defRPr sz="6000" kern="1200">
-                <a:solidFill>
-                  <a:schemeClr val="tx1"/>
-                </a:solidFill>
-                <a:latin typeface="+mj-lt"/>
-                <a:ea typeface="+mj-ea"/>
-                <a:cs typeface="+mj-cs"/>
-              </a:defRPr>
-            </a:lvl1pPr>
-          </a:lstStyle>
-          <a:p>
-            <a:pPr algn="l">
-              <a:spcAft>
-                <a:spcPts val="600"/>
-              </a:spcAft>
-            </a:pPr>
-            <a:r>
-              <a:rPr lang="en-US" sz="5000"/>
-              <a:t>SISTEMA DELIVERY</a:t>
-            </a:r>
-            <a:br>
-              <a:rPr lang="en-US" sz="5000"/>
-            </a:br>
-            <a:r>
-              <a:rPr lang="en-US" sz="5000"/>
-              <a:t>Lógica de Programação</a:t>
-            </a:r>
-          </a:p>
-        </p:txBody>
-      </p:sp>
-      <p:sp>
-        <p:nvSpPr>
-          <p:cNvPr id="5" name="Espaço Reservado para Conteúdo 2">
-            <a:extLst>
-              <a:ext uri="{FF2B5EF4-FFF2-40B4-BE49-F238E27FC236}">
-                <a16:creationId xmlns:a16="http://schemas.microsoft.com/office/drawing/2014/main" id="{EEF75C28-E9D6-4798-A4BB-C996068D8F3B}"/>
-              </a:ext>
-            </a:extLst>
-          </p:cNvPr>
-          <p:cNvSpPr txBox="1">
-            <a:spLocks/>
-          </p:cNvSpPr>
-          <p:nvPr/>
-        </p:nvSpPr>
-        <p:spPr>
-          <a:xfrm>
-            <a:off x="978184" y="5651645"/>
-            <a:ext cx="10327495" cy="529046"/>
-          </a:xfrm>
-          <a:prstGeom prst="rect">
-            <a:avLst/>
-          </a:prstGeom>
-        </p:spPr>
-        <p:txBody>
-          <a:bodyPr vert="horz" lIns="91440" tIns="45720" rIns="91440" bIns="45720" rtlCol="0">
-            <a:normAutofit/>
-          </a:bodyPr>
-          <a:lstStyle>
-            <a:lvl1pPr marL="0" indent="0" algn="ctr" defTabSz="914400" rtl="0" eaLnBrk="1" latinLnBrk="0" hangingPunct="1">
-              <a:lnSpc>
-                <a:spcPct val="90000"/>
-              </a:lnSpc>
-              <a:spcBef>
-                <a:spcPts val="1000"/>
-              </a:spcBef>
-              <a:buFont typeface="Arial" panose="020B0604020202020204" pitchFamily="34" charset="0"/>
-              <a:buNone/>
-              <a:defRPr sz="2400" kern="1200">
-                <a:solidFill>
-                  <a:schemeClr val="tx1"/>
-                </a:solidFill>
-                <a:latin typeface="+mn-lt"/>
-                <a:ea typeface="+mn-ea"/>
-                <a:cs typeface="+mn-cs"/>
-              </a:defRPr>
-            </a:lvl1pPr>
-            <a:lvl2pPr marL="457200" indent="0" algn="ctr" defTabSz="914400" rtl="0" eaLnBrk="1" latinLnBrk="0" hangingPunct="1">
-              <a:lnSpc>
-                <a:spcPct val="90000"/>
-              </a:lnSpc>
-              <a:spcBef>
-                <a:spcPts val="500"/>
-              </a:spcBef>
-              <a:buFont typeface="Arial" panose="020B0604020202020204" pitchFamily="34" charset="0"/>
-              <a:buNone/>
-              <a:defRPr sz="2000" kern="1200">
-                <a:solidFill>
-                  <a:schemeClr val="tx1"/>
-                </a:solidFill>
-                <a:latin typeface="+mn-lt"/>
-                <a:ea typeface="+mn-ea"/>
-                <a:cs typeface="+mn-cs"/>
-              </a:defRPr>
-            </a:lvl2pPr>
-            <a:lvl3pPr marL="914400" indent="0" algn="ctr" defTabSz="914400" rtl="0" eaLnBrk="1" latinLnBrk="0" hangingPunct="1">
-              <a:lnSpc>
-                <a:spcPct val="90000"/>
-              </a:lnSpc>
-              <a:spcBef>
-                <a:spcPts val="500"/>
-              </a:spcBef>
-              <a:buFont typeface="Arial" panose="020B0604020202020204" pitchFamily="34" charset="0"/>
-              <a:buNone/>
-              <a:defRPr sz="1800" kern="1200">
-                <a:solidFill>
-                  <a:schemeClr val="tx1"/>
-                </a:solidFill>
-                <a:latin typeface="+mn-lt"/>
-                <a:ea typeface="+mn-ea"/>
-                <a:cs typeface="+mn-cs"/>
-              </a:defRPr>
-            </a:lvl3pPr>
-            <a:lvl4pPr marL="1371600" indent="0" algn="ctr" defTabSz="914400" rtl="0" eaLnBrk="1" latinLnBrk="0" hangingPunct="1">
-              <a:lnSpc>
-                <a:spcPct val="90000"/>
-              </a:lnSpc>
-              <a:spcBef>
-                <a:spcPts val="500"/>
-              </a:spcBef>
-              <a:buFont typeface="Arial" panose="020B0604020202020204" pitchFamily="34" charset="0"/>
-              <a:buNone/>
-              <a:defRPr sz="1600" kern="1200">
-                <a:solidFill>
-                  <a:schemeClr val="tx1"/>
-                </a:solidFill>
-                <a:latin typeface="+mn-lt"/>
-                <a:ea typeface="+mn-ea"/>
-                <a:cs typeface="+mn-cs"/>
-              </a:defRPr>
-            </a:lvl4pPr>
-            <a:lvl5pPr marL="1828800" indent="0" algn="ctr" defTabSz="914400" rtl="0" eaLnBrk="1" latinLnBrk="0" hangingPunct="1">
-              <a:lnSpc>
-                <a:spcPct val="90000"/>
-              </a:lnSpc>
-              <a:spcBef>
-                <a:spcPts val="500"/>
-              </a:spcBef>
-              <a:buFont typeface="Arial" panose="020B0604020202020204" pitchFamily="34" charset="0"/>
-              <a:buNone/>
-              <a:defRPr sz="1600" kern="1200">
-                <a:solidFill>
-                  <a:schemeClr val="tx1"/>
-                </a:solidFill>
-                <a:latin typeface="+mn-lt"/>
-                <a:ea typeface="+mn-ea"/>
-                <a:cs typeface="+mn-cs"/>
-              </a:defRPr>
-            </a:lvl5pPr>
-            <a:lvl6pPr marL="2286000" indent="0" algn="ctr" defTabSz="914400" rtl="0" eaLnBrk="1" latinLnBrk="0" hangingPunct="1">
-              <a:lnSpc>
-                <a:spcPct val="90000"/>
-              </a:lnSpc>
-              <a:spcBef>
-                <a:spcPts val="500"/>
-              </a:spcBef>
-              <a:buFont typeface="Arial" panose="020B0604020202020204" pitchFamily="34" charset="0"/>
-              <a:buNone/>
-              <a:defRPr sz="1600" kern="1200">
-                <a:solidFill>
-                  <a:schemeClr val="tx1"/>
-                </a:solidFill>
-                <a:latin typeface="+mn-lt"/>
-                <a:ea typeface="+mn-ea"/>
-                <a:cs typeface="+mn-cs"/>
-              </a:defRPr>
-            </a:lvl6pPr>
-            <a:lvl7pPr marL="2743200" indent="0" algn="ctr" defTabSz="914400" rtl="0" eaLnBrk="1" latinLnBrk="0" hangingPunct="1">
-              <a:lnSpc>
-                <a:spcPct val="90000"/>
-              </a:lnSpc>
-              <a:spcBef>
-                <a:spcPts val="500"/>
-              </a:spcBef>
-              <a:buFont typeface="Arial" panose="020B0604020202020204" pitchFamily="34" charset="0"/>
-              <a:buNone/>
-              <a:defRPr sz="1600" kern="1200">
-                <a:solidFill>
-                  <a:schemeClr val="tx1"/>
-                </a:solidFill>
-                <a:latin typeface="+mn-lt"/>
-                <a:ea typeface="+mn-ea"/>
-                <a:cs typeface="+mn-cs"/>
-              </a:defRPr>
-            </a:lvl7pPr>
-            <a:lvl8pPr marL="3200400" indent="0" algn="ctr" defTabSz="914400" rtl="0" eaLnBrk="1" latinLnBrk="0" hangingPunct="1">
-              <a:lnSpc>
-                <a:spcPct val="90000"/>
-              </a:lnSpc>
-              <a:spcBef>
-                <a:spcPts val="500"/>
-              </a:spcBef>
-              <a:buFont typeface="Arial" panose="020B0604020202020204" pitchFamily="34" charset="0"/>
-              <a:buNone/>
-              <a:defRPr sz="1600" kern="1200">
-                <a:solidFill>
-                  <a:schemeClr val="tx1"/>
-                </a:solidFill>
-                <a:latin typeface="+mn-lt"/>
-                <a:ea typeface="+mn-ea"/>
-                <a:cs typeface="+mn-cs"/>
-              </a:defRPr>
-            </a:lvl8pPr>
-            <a:lvl9pPr marL="3657600" indent="0" algn="ctr" defTabSz="914400" rtl="0" eaLnBrk="1" latinLnBrk="0" hangingPunct="1">
-              <a:lnSpc>
-                <a:spcPct val="90000"/>
-              </a:lnSpc>
-              <a:spcBef>
-                <a:spcPts val="500"/>
-              </a:spcBef>
-              <a:buFont typeface="Arial" panose="020B0604020202020204" pitchFamily="34" charset="0"/>
-              <a:buNone/>
-              <a:defRPr sz="1600" kern="1200">
-                <a:solidFill>
-                  <a:schemeClr val="tx1"/>
-                </a:solidFill>
-                <a:latin typeface="+mn-lt"/>
-                <a:ea typeface="+mn-ea"/>
-                <a:cs typeface="+mn-cs"/>
-              </a:defRPr>
-            </a:lvl9pPr>
-          </a:lstStyle>
-          <a:p>
-            <a:pPr algn="l">
-              <a:lnSpc>
-                <a:spcPct val="110000"/>
-              </a:lnSpc>
-            </a:pPr>
-            <a:r>
-              <a:rPr lang="en-US" sz="2000" dirty="0"/>
-              <a:t>Prof: Guilherme </a:t>
-            </a:r>
-            <a:r>
-              <a:rPr lang="en-US" sz="2000" dirty="0" err="1"/>
-              <a:t>Minatto</a:t>
-            </a:r>
-            <a:r>
-              <a:rPr lang="en-US" sz="2000" dirty="0"/>
-              <a:t>                                                                     Alexandre, Alexson e Ana</a:t>
-            </a:r>
-          </a:p>
-          <a:p>
-            <a:pPr algn="l">
-              <a:lnSpc>
-                <a:spcPct val="110000"/>
-              </a:lnSpc>
-            </a:pPr>
-            <a:endParaRPr lang="en-US" sz="2000" dirty="0"/>
-          </a:p>
-        </p:txBody>
-      </p:sp>
-      <p:sp>
-        <p:nvSpPr>
-          <p:cNvPr id="6" name="CaixaDeTexto 5">
-            <a:extLst>
-              <a:ext uri="{FF2B5EF4-FFF2-40B4-BE49-F238E27FC236}">
-                <a16:creationId xmlns:a16="http://schemas.microsoft.com/office/drawing/2014/main" id="{FAE42BA9-2846-4E1B-AE46-F91C580B4561}"/>
-              </a:ext>
-            </a:extLst>
-          </p:cNvPr>
-          <p:cNvSpPr txBox="1"/>
-          <p:nvPr/>
-        </p:nvSpPr>
-        <p:spPr>
-          <a:xfrm>
-            <a:off x="3504438" y="6123543"/>
-            <a:ext cx="6094476" cy="369332"/>
-          </a:xfrm>
-          <a:prstGeom prst="rect">
-            <a:avLst/>
-          </a:prstGeom>
-          <a:noFill/>
-        </p:spPr>
-        <p:txBody>
-          <a:bodyPr wrap="square">
-            <a:spAutoFit/>
-          </a:bodyPr>
-          <a:lstStyle/>
-          <a:p>
-            <a:pPr marL="1828800" lvl="4" indent="0">
-              <a:spcAft>
-                <a:spcPts val="600"/>
-              </a:spcAft>
-              <a:buNone/>
-            </a:pPr>
-            <a:r>
-              <a:rPr lang="pt-BR"/>
-              <a:t>SENAI – 27/07/2021</a:t>
-            </a:r>
-          </a:p>
-        </p:txBody>
-      </p:sp>
-    </p:spTree>
-    <p:extLst>
-      <p:ext uri="{BB962C8B-B14F-4D97-AF65-F5344CB8AC3E}">
-        <p14:creationId xmlns:p14="http://schemas.microsoft.com/office/powerpoint/2010/main" val="291331230"/>
-      </p:ext>
-    </p:extLst>
-  </p:cSld>
-  <p:clrMapOvr>
-    <a:overrideClrMapping bg1="dk1" tx1="lt1" bg2="dk2" tx2="lt2" accent1="accent1" accent2="accent2" accent3="accent3" accent4="accent4" accent5="accent5" accent6="accent6" hlink="hlink" folHlink="folHlink"/>
-  </p:clrMapOvr>
-</p:sld>
-</file>
-
-<file path=ppt/slides/slide2.xml><?xml version="1.0" encoding="utf-8"?>
-<p:sld xmlns:a="http://schemas.openxmlformats.org/drawingml/2006/main" xmlns:r="http://schemas.openxmlformats.org/officeDocument/2006/relationships" xmlns:p="http://schemas.openxmlformats.org/presentationml/2006/main">
-  <p:cSld>
-    <p:spTree>
-      <p:nvGrpSpPr>
-        <p:cNvPr id="1" name=""/>
-        <p:cNvGrpSpPr/>
-        <p:nvPr/>
-      </p:nvGrpSpPr>
-      <p:grpSpPr>
-        <a:xfrm>
-          <a:off x="0" y="0"/>
-          <a:ext cx="0" cy="0"/>
-          <a:chOff x="0" y="0"/>
-          <a:chExt cx="0" cy="0"/>
-        </a:xfrm>
-      </p:grpSpPr>
-      <p:sp>
-        <p:nvSpPr>
-          <p:cNvPr id="13" name="Retângulo 12">
+      <p:sp>
+        <p:nvSpPr>
+          <p:cNvPr id="7" name="Retângulo 6">
             <a:extLst>
               <a:ext uri="{FF2B5EF4-FFF2-40B4-BE49-F238E27FC236}">
                 <a16:creationId xmlns:a16="http://schemas.microsoft.com/office/drawing/2014/main" id="{CB042C5A-D96A-4BBE-9387-92F5F24B0F38}"/>
@@ -5523,36 +5142,495 @@
           </a:p>
         </p:txBody>
       </p:sp>
-      <p:pic>
-        <p:nvPicPr>
-          <p:cNvPr id="7" name="Imagem 6">
-            <a:extLst>
-              <a:ext uri="{FF2B5EF4-FFF2-40B4-BE49-F238E27FC236}">
-                <a16:creationId xmlns:a16="http://schemas.microsoft.com/office/drawing/2014/main" id="{1E2B8403-0F57-43B2-95AB-B061A00AB715}"/>
-              </a:ext>
-            </a:extLst>
-          </p:cNvPr>
-          <p:cNvPicPr>
-            <a:picLocks noChangeAspect="1"/>
-          </p:cNvPicPr>
+      <p:sp>
+        <p:nvSpPr>
+          <p:cNvPr id="2" name="Retângulo 1"/>
+          <p:cNvSpPr/>
           <p:nvPr/>
-        </p:nvPicPr>
-        <p:blipFill>
-          <a:blip r:embed="rId2"/>
-          <a:stretch>
-            <a:fillRect/>
-          </a:stretch>
-        </p:blipFill>
+        </p:nvSpPr>
         <p:spPr>
           <a:xfrm>
-            <a:off x="294974" y="1740287"/>
-            <a:ext cx="5820599" cy="4752792"/>
+            <a:off x="265386" y="1573694"/>
+            <a:ext cx="11661228" cy="4247317"/>
           </a:xfrm>
           <a:prstGeom prst="rect">
             <a:avLst/>
           </a:prstGeom>
         </p:spPr>
-      </p:pic>
+        <p:txBody>
+          <a:bodyPr wrap="square">
+            <a:spAutoFit/>
+          </a:bodyPr>
+          <a:lstStyle/>
+          <a:p>
+            <a:endParaRPr lang="pt-BR" dirty="0">
+              <a:latin typeface="Consolas" panose="020B0609020204030204" pitchFamily="49" charset="0"/>
+            </a:endParaRPr>
+          </a:p>
+          <a:p>
+            <a:r>
+              <a:rPr lang="pt-BR" sz="2800" dirty="0">
+                <a:solidFill>
+                  <a:srgbClr val="FF79C6"/>
+                </a:solidFill>
+                <a:latin typeface="Consolas" panose="020B0609020204030204" pitchFamily="49" charset="0"/>
+              </a:rPr>
+              <a:t>public</a:t>
+            </a:r>
+            <a:r>
+              <a:rPr lang="pt-BR" sz="2800" dirty="0">
+                <a:solidFill>
+                  <a:srgbClr val="F8F8F2"/>
+                </a:solidFill>
+                <a:latin typeface="Consolas" panose="020B0609020204030204" pitchFamily="49" charset="0"/>
+              </a:rPr>
+              <a:t> </a:t>
+            </a:r>
+            <a:r>
+              <a:rPr lang="pt-BR" sz="2800" dirty="0">
+                <a:solidFill>
+                  <a:srgbClr val="FF79C6"/>
+                </a:solidFill>
+                <a:latin typeface="Consolas" panose="020B0609020204030204" pitchFamily="49" charset="0"/>
+              </a:rPr>
+              <a:t>class</a:t>
+            </a:r>
+            <a:r>
+              <a:rPr lang="pt-BR" sz="2800" dirty="0">
+                <a:solidFill>
+                  <a:srgbClr val="F8F8F2"/>
+                </a:solidFill>
+                <a:latin typeface="Consolas" panose="020B0609020204030204" pitchFamily="49" charset="0"/>
+              </a:rPr>
+              <a:t> </a:t>
+            </a:r>
+            <a:r>
+              <a:rPr lang="pt-BR" sz="2800" dirty="0">
+                <a:solidFill>
+                  <a:srgbClr val="8BE9FD"/>
+                </a:solidFill>
+                <a:latin typeface="Consolas" panose="020B0609020204030204" pitchFamily="49" charset="0"/>
+              </a:rPr>
+              <a:t>SistemaDelivery</a:t>
+            </a:r>
+            <a:r>
+              <a:rPr lang="pt-BR" sz="2800" dirty="0">
+                <a:solidFill>
+                  <a:srgbClr val="F8F8F2"/>
+                </a:solidFill>
+                <a:latin typeface="Consolas" panose="020B0609020204030204" pitchFamily="49" charset="0"/>
+              </a:rPr>
+              <a:t> {</a:t>
+            </a:r>
+          </a:p>
+          <a:p>
+            <a:endParaRPr lang="pt-BR" sz="2800" dirty="0">
+              <a:latin typeface="Consolas" panose="020B0609020204030204" pitchFamily="49" charset="0"/>
+            </a:endParaRPr>
+          </a:p>
+          <a:p>
+            <a:r>
+              <a:rPr lang="pt-BR" sz="2800" dirty="0">
+                <a:solidFill>
+                  <a:srgbClr val="FF79C6"/>
+                </a:solidFill>
+                <a:latin typeface="Consolas" panose="020B0609020204030204" pitchFamily="49" charset="0"/>
+              </a:rPr>
+              <a:t>static</a:t>
+            </a:r>
+            <a:r>
+              <a:rPr lang="pt-BR" sz="2800" dirty="0">
+                <a:solidFill>
+                  <a:srgbClr val="F8F8F2"/>
+                </a:solidFill>
+                <a:latin typeface="Consolas" panose="020B0609020204030204" pitchFamily="49" charset="0"/>
+              </a:rPr>
+              <a:t> </a:t>
+            </a:r>
+            <a:r>
+              <a:rPr lang="pt-BR" sz="2800" dirty="0">
+                <a:solidFill>
+                  <a:srgbClr val="8BE9FD"/>
+                </a:solidFill>
+                <a:latin typeface="Consolas" panose="020B0609020204030204" pitchFamily="49" charset="0"/>
+              </a:rPr>
+              <a:t>String</a:t>
+            </a:r>
+            <a:r>
+              <a:rPr lang="pt-BR" sz="2800" dirty="0">
+                <a:solidFill>
+                  <a:srgbClr val="F8F8F2"/>
+                </a:solidFill>
+                <a:latin typeface="Consolas" panose="020B0609020204030204" pitchFamily="49" charset="0"/>
+              </a:rPr>
+              <a:t> Prof </a:t>
+            </a:r>
+            <a:r>
+              <a:rPr lang="pt-BR" sz="2800" dirty="0">
+                <a:solidFill>
+                  <a:srgbClr val="8BE9FD"/>
+                </a:solidFill>
+                <a:latin typeface="Consolas" panose="020B0609020204030204" pitchFamily="49" charset="0"/>
+              </a:rPr>
+              <a:t>=</a:t>
+            </a:r>
+            <a:r>
+              <a:rPr lang="pt-BR" sz="2800" dirty="0">
+                <a:solidFill>
+                  <a:srgbClr val="F8F8F2"/>
+                </a:solidFill>
+                <a:latin typeface="Consolas" panose="020B0609020204030204" pitchFamily="49" charset="0"/>
+              </a:rPr>
+              <a:t> </a:t>
+            </a:r>
+            <a:r>
+              <a:rPr lang="pt-BR" sz="2800" dirty="0">
+                <a:solidFill>
+                  <a:srgbClr val="F1FA8C"/>
+                </a:solidFill>
+                <a:latin typeface="Consolas" panose="020B0609020204030204" pitchFamily="49" charset="0"/>
+              </a:rPr>
+              <a:t>"Guilherme Minatto"</a:t>
+            </a:r>
+            <a:r>
+              <a:rPr lang="pt-BR" sz="2800" dirty="0">
+                <a:solidFill>
+                  <a:srgbClr val="8BE9FD"/>
+                </a:solidFill>
+                <a:latin typeface="Consolas" panose="020B0609020204030204" pitchFamily="49" charset="0"/>
+              </a:rPr>
+              <a:t>;</a:t>
+            </a:r>
+          </a:p>
+          <a:p>
+            <a:r>
+              <a:rPr lang="pt-BR" sz="2800" dirty="0">
+                <a:solidFill>
+                  <a:srgbClr val="FF79C6"/>
+                </a:solidFill>
+                <a:latin typeface="Consolas" panose="020B0609020204030204" pitchFamily="49" charset="0"/>
+              </a:rPr>
+              <a:t>static</a:t>
+            </a:r>
+            <a:r>
+              <a:rPr lang="pt-BR" sz="2800" dirty="0">
+                <a:solidFill>
+                  <a:srgbClr val="F8F8F2"/>
+                </a:solidFill>
+                <a:latin typeface="Consolas" panose="020B0609020204030204" pitchFamily="49" charset="0"/>
+              </a:rPr>
+              <a:t> </a:t>
+            </a:r>
+            <a:r>
+              <a:rPr lang="pt-BR" sz="2800" dirty="0">
+                <a:solidFill>
+                  <a:srgbClr val="8BE9FD"/>
+                </a:solidFill>
+                <a:latin typeface="Consolas" panose="020B0609020204030204" pitchFamily="49" charset="0"/>
+              </a:rPr>
+              <a:t>String</a:t>
+            </a:r>
+            <a:r>
+              <a:rPr lang="pt-BR" sz="2800" dirty="0">
+                <a:solidFill>
+                  <a:srgbClr val="F8F8F2"/>
+                </a:solidFill>
+                <a:latin typeface="Consolas" panose="020B0609020204030204" pitchFamily="49" charset="0"/>
+              </a:rPr>
+              <a:t> Disciplina </a:t>
+            </a:r>
+            <a:r>
+              <a:rPr lang="pt-BR" sz="2800" dirty="0">
+                <a:solidFill>
+                  <a:srgbClr val="8BE9FD"/>
+                </a:solidFill>
+                <a:latin typeface="Consolas" panose="020B0609020204030204" pitchFamily="49" charset="0"/>
+              </a:rPr>
+              <a:t>=</a:t>
+            </a:r>
+            <a:r>
+              <a:rPr lang="pt-BR" sz="2800" dirty="0">
+                <a:solidFill>
+                  <a:srgbClr val="F8F8F2"/>
+                </a:solidFill>
+                <a:latin typeface="Consolas" panose="020B0609020204030204" pitchFamily="49" charset="0"/>
+              </a:rPr>
+              <a:t> </a:t>
+            </a:r>
+            <a:r>
+              <a:rPr lang="pt-BR" sz="2800" dirty="0">
+                <a:solidFill>
+                  <a:srgbClr val="F1FA8C"/>
+                </a:solidFill>
+                <a:latin typeface="Consolas" panose="020B0609020204030204" pitchFamily="49" charset="0"/>
+              </a:rPr>
+              <a:t>"Lógica da Programação"</a:t>
+            </a:r>
+            <a:r>
+              <a:rPr lang="pt-BR" sz="2800" dirty="0">
+                <a:solidFill>
+                  <a:srgbClr val="8BE9FD"/>
+                </a:solidFill>
+                <a:latin typeface="Consolas" panose="020B0609020204030204" pitchFamily="49" charset="0"/>
+              </a:rPr>
+              <a:t>;</a:t>
+            </a:r>
+          </a:p>
+          <a:p>
+            <a:endParaRPr lang="pt-BR" sz="2800" dirty="0">
+              <a:latin typeface="Consolas" panose="020B0609020204030204" pitchFamily="49" charset="0"/>
+            </a:endParaRPr>
+          </a:p>
+          <a:p>
+            <a:r>
+              <a:rPr lang="pt-BR" sz="2800" dirty="0">
+                <a:solidFill>
+                  <a:srgbClr val="FF79C6"/>
+                </a:solidFill>
+                <a:latin typeface="Consolas" panose="020B0609020204030204" pitchFamily="49" charset="0"/>
+              </a:rPr>
+              <a:t>static</a:t>
+            </a:r>
+            <a:r>
+              <a:rPr lang="pt-BR" sz="2800" dirty="0">
+                <a:solidFill>
+                  <a:srgbClr val="F8F8F2"/>
+                </a:solidFill>
+                <a:latin typeface="Consolas" panose="020B0609020204030204" pitchFamily="49" charset="0"/>
+              </a:rPr>
+              <a:t> </a:t>
+            </a:r>
+            <a:r>
+              <a:rPr lang="pt-BR" sz="2800" dirty="0">
+                <a:solidFill>
+                  <a:srgbClr val="8BE9FD"/>
+                </a:solidFill>
+                <a:latin typeface="Consolas" panose="020B0609020204030204" pitchFamily="49" charset="0"/>
+              </a:rPr>
+              <a:t>String</a:t>
+            </a:r>
+            <a:r>
+              <a:rPr lang="pt-BR" sz="2800" dirty="0">
+                <a:solidFill>
+                  <a:srgbClr val="F8F8F2"/>
+                </a:solidFill>
+                <a:latin typeface="Consolas" panose="020B0609020204030204" pitchFamily="49" charset="0"/>
+              </a:rPr>
+              <a:t> Alunos </a:t>
+            </a:r>
+            <a:r>
+              <a:rPr lang="pt-BR" sz="2800" dirty="0">
+                <a:solidFill>
+                  <a:srgbClr val="8BE9FD"/>
+                </a:solidFill>
+                <a:latin typeface="Consolas" panose="020B0609020204030204" pitchFamily="49" charset="0"/>
+              </a:rPr>
+              <a:t>=</a:t>
+            </a:r>
+            <a:r>
+              <a:rPr lang="pt-BR" sz="2800" dirty="0">
+                <a:solidFill>
+                  <a:srgbClr val="F8F8F2"/>
+                </a:solidFill>
+                <a:latin typeface="Consolas" panose="020B0609020204030204" pitchFamily="49" charset="0"/>
+              </a:rPr>
+              <a:t> </a:t>
+            </a:r>
+            <a:r>
+              <a:rPr lang="pt-BR" sz="2800" dirty="0">
+                <a:solidFill>
+                  <a:srgbClr val="F1FA8C"/>
+                </a:solidFill>
+                <a:latin typeface="Consolas" panose="020B0609020204030204" pitchFamily="49" charset="0"/>
+              </a:rPr>
+              <a:t>"Alexandre, Alexson, Ana Carolina"</a:t>
+            </a:r>
+            <a:r>
+              <a:rPr lang="pt-BR" sz="2800" dirty="0">
+                <a:solidFill>
+                  <a:srgbClr val="8BE9FD"/>
+                </a:solidFill>
+                <a:latin typeface="Consolas" panose="020B0609020204030204" pitchFamily="49" charset="0"/>
+              </a:rPr>
+              <a:t>;</a:t>
+            </a:r>
+          </a:p>
+          <a:p>
+            <a:r>
+              <a:rPr lang="pt-BR" sz="2800" dirty="0">
+                <a:solidFill>
+                  <a:srgbClr val="FF79C6"/>
+                </a:solidFill>
+                <a:latin typeface="Consolas" panose="020B0609020204030204" pitchFamily="49" charset="0"/>
+              </a:rPr>
+              <a:t>static</a:t>
+            </a:r>
+            <a:r>
+              <a:rPr lang="pt-BR" sz="2800" dirty="0">
+                <a:solidFill>
+                  <a:srgbClr val="F8F8F2"/>
+                </a:solidFill>
+                <a:latin typeface="Consolas" panose="020B0609020204030204" pitchFamily="49" charset="0"/>
+              </a:rPr>
+              <a:t> </a:t>
+            </a:r>
+            <a:r>
+              <a:rPr lang="pt-BR" sz="2800" dirty="0">
+                <a:solidFill>
+                  <a:srgbClr val="8BE9FD"/>
+                </a:solidFill>
+                <a:latin typeface="Consolas" panose="020B0609020204030204" pitchFamily="49" charset="0"/>
+              </a:rPr>
+              <a:t>String</a:t>
+            </a:r>
+            <a:r>
+              <a:rPr lang="pt-BR" sz="2800" dirty="0">
+                <a:solidFill>
+                  <a:srgbClr val="F8F8F2"/>
+                </a:solidFill>
+                <a:latin typeface="Consolas" panose="020B0609020204030204" pitchFamily="49" charset="0"/>
+              </a:rPr>
+              <a:t> Data </a:t>
+            </a:r>
+            <a:r>
+              <a:rPr lang="pt-BR" sz="2800" dirty="0">
+                <a:solidFill>
+                  <a:srgbClr val="8BE9FD"/>
+                </a:solidFill>
+                <a:latin typeface="Consolas" panose="020B0609020204030204" pitchFamily="49" charset="0"/>
+              </a:rPr>
+              <a:t>=</a:t>
+            </a:r>
+            <a:r>
+              <a:rPr lang="pt-BR" sz="2800" dirty="0">
+                <a:solidFill>
+                  <a:srgbClr val="F8F8F2"/>
+                </a:solidFill>
+                <a:latin typeface="Consolas" panose="020B0609020204030204" pitchFamily="49" charset="0"/>
+              </a:rPr>
+              <a:t> </a:t>
+            </a:r>
+            <a:r>
+              <a:rPr lang="pt-BR" sz="2800" dirty="0">
+                <a:solidFill>
+                  <a:srgbClr val="F1FA8C"/>
+                </a:solidFill>
+                <a:latin typeface="Consolas" panose="020B0609020204030204" pitchFamily="49" charset="0"/>
+              </a:rPr>
+              <a:t>"28/07/2021"</a:t>
+            </a:r>
+            <a:r>
+              <a:rPr lang="pt-BR" sz="2800" dirty="0">
+                <a:solidFill>
+                  <a:srgbClr val="8BE9FD"/>
+                </a:solidFill>
+                <a:latin typeface="Consolas" panose="020B0609020204030204" pitchFamily="49" charset="0"/>
+              </a:rPr>
+              <a:t>;</a:t>
+            </a:r>
+          </a:p>
+          <a:p>
+            <a:endParaRPr lang="pt-BR" sz="2800" dirty="0">
+              <a:latin typeface="Consolas" panose="020B0609020204030204" pitchFamily="49" charset="0"/>
+            </a:endParaRPr>
+          </a:p>
+          <a:p>
+            <a:r>
+              <a:rPr lang="pt-BR" sz="2800" dirty="0">
+                <a:solidFill>
+                  <a:srgbClr val="F8F8F2"/>
+                </a:solidFill>
+                <a:latin typeface="Consolas" panose="020B0609020204030204" pitchFamily="49" charset="0"/>
+              </a:rPr>
+              <a:t>}</a:t>
+            </a:r>
+          </a:p>
+        </p:txBody>
+      </p:sp>
+    </p:spTree>
+    <p:extLst>
+      <p:ext uri="{BB962C8B-B14F-4D97-AF65-F5344CB8AC3E}">
+        <p14:creationId xmlns:p14="http://schemas.microsoft.com/office/powerpoint/2010/main" val="291331230"/>
+      </p:ext>
+    </p:extLst>
+  </p:cSld>
+  <p:clrMapOvr>
+    <a:overrideClrMapping bg1="dk1" tx1="lt1" bg2="dk2" tx2="lt2" accent1="accent1" accent2="accent2" accent3="accent3" accent4="accent4" accent5="accent5" accent6="accent6" hlink="hlink" folHlink="folHlink"/>
+  </p:clrMapOvr>
+</p:sld>
+</file>
+
+<file path=ppt/slides/slide2.xml><?xml version="1.0" encoding="utf-8"?>
+<p:sld xmlns:a="http://schemas.openxmlformats.org/drawingml/2006/main" xmlns:r="http://schemas.openxmlformats.org/officeDocument/2006/relationships" xmlns:p="http://schemas.openxmlformats.org/presentationml/2006/main">
+  <p:cSld>
+    <p:spTree>
+      <p:nvGrpSpPr>
+        <p:cNvPr id="1" name=""/>
+        <p:cNvGrpSpPr/>
+        <p:nvPr/>
+      </p:nvGrpSpPr>
+      <p:grpSpPr>
+        <a:xfrm>
+          <a:off x="0" y="0"/>
+          <a:ext cx="0" cy="0"/>
+          <a:chOff x="0" y="0"/>
+          <a:chExt cx="0" cy="0"/>
+        </a:xfrm>
+      </p:grpSpPr>
+      <p:sp>
+        <p:nvSpPr>
+          <p:cNvPr id="13" name="Retângulo 12">
+            <a:extLst>
+              <a:ext uri="{FF2B5EF4-FFF2-40B4-BE49-F238E27FC236}">
+                <a16:creationId xmlns:a16="http://schemas.microsoft.com/office/drawing/2014/main" id="{CB042C5A-D96A-4BBE-9387-92F5F24B0F38}"/>
+              </a:ext>
+            </a:extLst>
+          </p:cNvPr>
+          <p:cNvSpPr/>
+          <p:nvPr/>
+        </p:nvSpPr>
+        <p:spPr>
+          <a:xfrm>
+            <a:off x="0" y="0"/>
+            <a:ext cx="12192000" cy="6858000"/>
+          </a:xfrm>
+          <a:prstGeom prst="rect">
+            <a:avLst/>
+          </a:prstGeom>
+          <a:solidFill>
+            <a:srgbClr val="1A1B23"/>
+          </a:solidFill>
+          <a:ln>
+            <a:solidFill>
+              <a:srgbClr val="1A1B23"/>
+            </a:solidFill>
+          </a:ln>
+        </p:spPr>
+        <p:style>
+          <a:lnRef idx="2">
+            <a:schemeClr val="accent1">
+              <a:shade val="50000"/>
+            </a:schemeClr>
+          </a:lnRef>
+          <a:fillRef idx="1">
+            <a:schemeClr val="accent1"/>
+          </a:fillRef>
+          <a:effectRef idx="0">
+            <a:schemeClr val="accent1"/>
+          </a:effectRef>
+          <a:fontRef idx="minor">
+            <a:schemeClr val="lt1"/>
+          </a:fontRef>
+        </p:style>
+        <p:txBody>
+          <a:bodyPr rtlCol="0" anchor="ctr"/>
+          <a:lstStyle/>
+          <a:p>
+            <a:pPr algn="ctr"/>
+            <a:endParaRPr lang="pt-BR"/>
+          </a:p>
+        </p:txBody>
+      </p:sp>
       <p:graphicFrame>
         <p:nvGraphicFramePr>
           <p:cNvPr id="10" name="Tabela 10">
@@ -5568,14 +5646,14 @@
           <p:nvPr>
             <p:extLst>
               <p:ext uri="{D42A27DB-BD31-4B8C-83A1-F6EECF244321}">
-                <p14:modId xmlns:p14="http://schemas.microsoft.com/office/powerpoint/2010/main" val="1447218011"/>
+                <p14:modId xmlns:p14="http://schemas.microsoft.com/office/powerpoint/2010/main" val="447614555"/>
               </p:ext>
             </p:extLst>
           </p:nvPr>
         </p:nvGraphicFramePr>
         <p:xfrm>
-          <a:off x="6096000" y="2170962"/>
-          <a:ext cx="5610045" cy="3751668"/>
+          <a:off x="5986623" y="1323244"/>
+          <a:ext cx="5610045" cy="1875834"/>
         </p:xfrm>
         <a:graphic>
           <a:graphicData uri="http://schemas.openxmlformats.org/drawingml/2006/table">
@@ -5636,7 +5714,7 @@
                       <a:prstDash val="solid"/>
                     </a:lnBlToTr>
                     <a:solidFill>
-                      <a:srgbClr val="313343"/>
+                      <a:srgbClr val="282A36"/>
                     </a:solidFill>
                   </a:tcPr>
                 </a:tc>
@@ -5653,7 +5731,7 @@
                     <a:lstStyle/>
                     <a:p>
                       <a:r>
-                        <a:rPr lang="pt-BR" b="1" dirty="0">
+                        <a:rPr lang="pt-BR" b="1" dirty="0" smtClean="0">
                           <a:solidFill>
                             <a:schemeClr val="bg1"/>
                           </a:solidFill>
@@ -5663,7 +5741,7 @@
                     </a:p>
                     <a:p>
                       <a:r>
-                        <a:rPr lang="pt-BR" b="1" dirty="0" err="1">
+                        <a:rPr lang="pt-BR" b="1" dirty="0" smtClean="0">
                           <a:solidFill>
                             <a:srgbClr val="8C4B71"/>
                           </a:solidFill>
@@ -5671,7 +5749,7 @@
                         <a:t>If</a:t>
                       </a:r>
                       <a:r>
-                        <a:rPr lang="pt-BR" dirty="0"/>
+                        <a:rPr lang="pt-BR" dirty="0" smtClean="0"/>
                         <a:t> </a:t>
                       </a:r>
                       <a:r>
@@ -5718,7 +5796,7 @@
                       <a:prstDash val="solid"/>
                     </a:lnBlToTr>
                     <a:solidFill>
-                      <a:srgbClr val="313343"/>
+                      <a:srgbClr val="282A36"/>
                     </a:solidFill>
                   </a:tcPr>
                 </a:tc>
@@ -5728,88 +5806,6 @@
                   </a:ext>
                 </a:extLst>
               </a:tr>
-              <a:tr h="937917">
-                <a:tc>
-                  <a:txBody>
-                    <a:bodyPr/>
-                    <a:lstStyle/>
-                    <a:p>
-                      <a:endParaRPr lang="pt-BR" dirty="0"/>
-                    </a:p>
-                  </a:txBody>
-                  <a:tcPr>
-                    <a:lnL w="12700" cmpd="sng">
-                      <a:noFill/>
-                    </a:lnL>
-                    <a:lnR w="12700" cmpd="sng">
-                      <a:noFill/>
-                    </a:lnR>
-                    <a:lnT w="12700" cmpd="sng">
-                      <a:noFill/>
-                    </a:lnT>
-                    <a:lnB w="12700" cmpd="sng">
-                      <a:noFill/>
-                    </a:lnB>
-                    <a:lnTlToBr w="12700" cmpd="sng">
-                      <a:noFill/>
-                      <a:prstDash val="solid"/>
-                    </a:lnTlToBr>
-                    <a:lnBlToTr w="12700" cmpd="sng">
-                      <a:noFill/>
-                      <a:prstDash val="solid"/>
-                    </a:lnBlToTr>
-                    <a:solidFill>
-                      <a:srgbClr val="313343"/>
-                    </a:solidFill>
-                  </a:tcPr>
-                </a:tc>
-                <a:extLst>
-                  <a:ext uri="{0D108BD9-81ED-4DB2-BD59-A6C34878D82A}">
-                    <a16:rowId xmlns:a16="http://schemas.microsoft.com/office/drawing/2014/main" val="1723190118"/>
-                  </a:ext>
-                </a:extLst>
-              </a:tr>
-              <a:tr h="937917">
-                <a:tc>
-                  <a:txBody>
-                    <a:bodyPr/>
-                    <a:lstStyle/>
-                    <a:p>
-                      <a:endParaRPr lang="pt-BR" dirty="0"/>
-                    </a:p>
-                  </a:txBody>
-                  <a:tcPr>
-                    <a:lnL w="12700" cmpd="sng">
-                      <a:noFill/>
-                    </a:lnL>
-                    <a:lnR w="12700" cmpd="sng">
-                      <a:noFill/>
-                    </a:lnR>
-                    <a:lnT w="12700" cmpd="sng">
-                      <a:noFill/>
-                    </a:lnT>
-                    <a:lnB w="12700" cmpd="sng">
-                      <a:noFill/>
-                    </a:lnB>
-                    <a:lnTlToBr w="12700" cmpd="sng">
-                      <a:noFill/>
-                      <a:prstDash val="solid"/>
-                    </a:lnTlToBr>
-                    <a:lnBlToTr w="12700" cmpd="sng">
-                      <a:noFill/>
-                      <a:prstDash val="solid"/>
-                    </a:lnBlToTr>
-                    <a:solidFill>
-                      <a:srgbClr val="313343"/>
-                    </a:solidFill>
-                  </a:tcPr>
-                </a:tc>
-                <a:extLst>
-                  <a:ext uri="{0D108BD9-81ED-4DB2-BD59-A6C34878D82A}">
-                    <a16:rowId xmlns:a16="http://schemas.microsoft.com/office/drawing/2014/main" val="2844449537"/>
-                  </a:ext>
-                </a:extLst>
-              </a:tr>
             </a:tbl>
           </a:graphicData>
         </a:graphic>
@@ -5832,7 +5828,7 @@
         </p:nvSpPr>
         <p:spPr>
           <a:xfrm>
-            <a:off x="294974" y="377862"/>
+            <a:off x="252932" y="338252"/>
             <a:ext cx="10168128" cy="1179576"/>
           </a:xfrm>
         </p:spPr>
@@ -5846,11 +5842,48 @@
                   <a:schemeClr val="bg1"/>
                 </a:solidFill>
               </a:rPr>
-              <a:t>Menu Principal</a:t>
-            </a:r>
-          </a:p>
-        </p:txBody>
-      </p:sp>
+              <a:t>Menu </a:t>
+            </a:r>
+            <a:r>
+              <a:rPr lang="pt-BR" b="1" dirty="0" smtClean="0">
+                <a:solidFill>
+                  <a:schemeClr val="bg1"/>
+                </a:solidFill>
+              </a:rPr>
+              <a:t>Principal</a:t>
+            </a:r>
+            <a:endParaRPr lang="pt-BR" b="1" dirty="0">
+              <a:solidFill>
+                <a:schemeClr val="bg1"/>
+              </a:solidFill>
+            </a:endParaRPr>
+          </a:p>
+        </p:txBody>
+      </p:sp>
+      <p:pic>
+        <p:nvPicPr>
+          <p:cNvPr id="2" name="Imagem 1"/>
+          <p:cNvPicPr>
+            <a:picLocks noChangeAspect="1"/>
+          </p:cNvPicPr>
+          <p:nvPr/>
+        </p:nvPicPr>
+        <p:blipFill>
+          <a:blip r:embed="rId2"/>
+          <a:stretch>
+            <a:fillRect/>
+          </a:stretch>
+        </p:blipFill>
+        <p:spPr>
+          <a:xfrm>
+            <a:off x="376578" y="1306269"/>
+            <a:ext cx="5233467" cy="5144639"/>
+          </a:xfrm>
+          <a:prstGeom prst="rect">
+            <a:avLst/>
+          </a:prstGeom>
+        </p:spPr>
+      </p:pic>
     </p:spTree>
     <p:extLst>
       <p:ext uri="{BB962C8B-B14F-4D97-AF65-F5344CB8AC3E}">
@@ -5967,41 +6000,40 @@
                   <a:schemeClr val="bg1"/>
                 </a:solidFill>
               </a:rPr>
-              <a:t>Procedimento Venda</a:t>
-            </a:r>
-          </a:p>
-        </p:txBody>
-      </p:sp>
-      <p:pic>
-        <p:nvPicPr>
-          <p:cNvPr id="14" name="Imagem 13">
-            <a:extLst>
-              <a:ext uri="{FF2B5EF4-FFF2-40B4-BE49-F238E27FC236}">
-                <a16:creationId xmlns:a16="http://schemas.microsoft.com/office/drawing/2014/main" id="{1D04ACDB-5B5C-4E2C-8E2D-903CD90DC031}"/>
-              </a:ext>
-            </a:extLst>
-          </p:cNvPr>
-          <p:cNvPicPr>
-            <a:picLocks noChangeAspect="1"/>
-          </p:cNvPicPr>
-          <p:nvPr/>
-        </p:nvPicPr>
-        <p:blipFill>
-          <a:blip r:embed="rId2"/>
-          <a:stretch>
-            <a:fillRect/>
-          </a:stretch>
-        </p:blipFill>
-        <p:spPr>
-          <a:xfrm>
-            <a:off x="294974" y="1474773"/>
-            <a:ext cx="7544853" cy="3877216"/>
-          </a:xfrm>
-          <a:prstGeom prst="rect">
-            <a:avLst/>
-          </a:prstGeom>
-        </p:spPr>
-      </p:pic>
+              <a:t>Procedimento </a:t>
+            </a:r>
+            <a:r>
+              <a:rPr lang="pt-BR" b="1" dirty="0" smtClean="0">
+                <a:solidFill>
+                  <a:schemeClr val="bg1"/>
+                </a:solidFill>
+              </a:rPr>
+              <a:t>Produto </a:t>
+            </a:r>
+            <a:r>
+              <a:rPr lang="pt-BR" b="1" dirty="0" smtClean="0">
+                <a:solidFill>
+                  <a:srgbClr val="37CA5A"/>
+                </a:solidFill>
+              </a:rPr>
+              <a:t>fazProduto</a:t>
+            </a:r>
+            <a:r>
+              <a:rPr lang="pt-BR" b="1" dirty="0" smtClean="0">
+                <a:solidFill>
+                  <a:schemeClr val="bg1"/>
+                </a:solidFill>
+              </a:rPr>
+              <a:t>();</a:t>
+            </a:r>
+            <a:endParaRPr lang="pt-BR" b="1" dirty="0">
+              <a:solidFill>
+                <a:schemeClr val="bg1"/>
+              </a:solidFill>
+            </a:endParaRPr>
+          </a:p>
+        </p:txBody>
+      </p:sp>
       <p:graphicFrame>
         <p:nvGraphicFramePr>
           <p:cNvPr id="10" name="Tabela 10">
@@ -6017,14 +6049,14 @@
           <p:nvPr>
             <p:extLst>
               <p:ext uri="{D42A27DB-BD31-4B8C-83A1-F6EECF244321}">
-                <p14:modId xmlns:p14="http://schemas.microsoft.com/office/powerpoint/2010/main" val="1678707750"/>
+                <p14:modId xmlns:p14="http://schemas.microsoft.com/office/powerpoint/2010/main" val="1088296122"/>
               </p:ext>
             </p:extLst>
           </p:nvPr>
         </p:nvGraphicFramePr>
         <p:xfrm>
-          <a:off x="6096000" y="2422631"/>
-          <a:ext cx="5610045" cy="3751668"/>
+          <a:off x="8225337" y="1451988"/>
+          <a:ext cx="3525229" cy="4032532"/>
         </p:xfrm>
         <a:graphic>
           <a:graphicData uri="http://schemas.openxmlformats.org/drawingml/2006/table">
@@ -6033,7 +6065,7 @@
                 <a:tableStyleId>{073A0DAA-6AF3-43AB-8588-CEC1D06C72B9}</a:tableStyleId>
               </a:tblPr>
               <a:tblGrid>
-                <a:gridCol w="5610045">
+                <a:gridCol w="3525229">
                   <a:extLst>
                     <a:ext uri="{9D8B030D-6E8A-4147-A177-3AD203B41FA5}">
                       <a16:colId xmlns:a16="http://schemas.microsoft.com/office/drawing/2014/main" val="1800561561"/>
@@ -6041,14 +6073,14 @@
                   </a:extLst>
                 </a:gridCol>
               </a:tblGrid>
-              <a:tr h="937917">
+              <a:tr h="2016266">
                 <a:tc>
                   <a:txBody>
                     <a:bodyPr/>
                     <a:lstStyle/>
                     <a:p>
                       <a:r>
-                        <a:rPr lang="pt-BR" b="1" dirty="0">
+                        <a:rPr lang="pt-BR" b="1" dirty="0" smtClean="0">
                           <a:solidFill>
                             <a:schemeClr val="bg1"/>
                           </a:solidFill>
@@ -6058,7 +6090,7 @@
                     </a:p>
                     <a:p>
                       <a:r>
-                        <a:rPr lang="pt-BR" b="1" dirty="0">
+                        <a:rPr lang="pt-BR" b="1" dirty="0" smtClean="0">
                           <a:solidFill>
                             <a:srgbClr val="8C4B71"/>
                           </a:solidFill>
@@ -6096,7 +6128,7 @@
                       <a:prstDash val="solid"/>
                     </a:lnBlToTr>
                     <a:solidFill>
-                      <a:srgbClr val="313343"/>
+                      <a:srgbClr val="282A36"/>
                     </a:solidFill>
                   </a:tcPr>
                 </a:tc>
@@ -6106,45 +6138,29 @@
                   </a:ext>
                 </a:extLst>
               </a:tr>
-              <a:tr h="937917">
+              <a:tr h="2016266">
                 <a:tc>
                   <a:txBody>
                     <a:bodyPr/>
                     <a:lstStyle/>
                     <a:p>
                       <a:r>
-                        <a:rPr lang="pt-BR" b="1" dirty="0">
+                        <a:rPr lang="pt-BR" b="1" dirty="0" smtClean="0">
                           <a:solidFill>
                             <a:schemeClr val="bg1"/>
                           </a:solidFill>
                         </a:rPr>
-                        <a:t>Procedimento:</a:t>
+                        <a:t>Função: </a:t>
                       </a:r>
                     </a:p>
                     <a:p>
                       <a:r>
-                        <a:rPr lang="pt-BR" b="1" dirty="0">
+                        <a:rPr lang="pt-BR" b="1" dirty="0" smtClean="0">
                           <a:solidFill>
                             <a:srgbClr val="37CA5A"/>
                           </a:solidFill>
                         </a:rPr>
-                        <a:t>fazVenda</a:t>
-                      </a:r>
-                      <a:r>
-                        <a:rPr lang="pt-BR" b="1" dirty="0">
-                          <a:solidFill>
-                            <a:schemeClr val="bg1"/>
-                          </a:solidFill>
-                        </a:rPr>
-                        <a:t>(); </a:t>
-                      </a:r>
-                      <a:r>
-                        <a:rPr lang="pt-BR" b="1" dirty="0">
-                          <a:solidFill>
-                            <a:srgbClr val="0F1B50"/>
-                          </a:solidFill>
-                        </a:rPr>
-                        <a:t>//loop</a:t>
+                        <a:t>.split</a:t>
                       </a:r>
                     </a:p>
                     <a:p>
@@ -6177,7 +6193,7 @@
                       <a:prstDash val="solid"/>
                     </a:lnBlToTr>
                     <a:solidFill>
-                      <a:srgbClr val="313343"/>
+                      <a:srgbClr val="282A36"/>
                     </a:solidFill>
                   </a:tcPr>
                 </a:tc>
@@ -6187,15 +6203,376 @@
                   </a:ext>
                 </a:extLst>
               </a:tr>
+            </a:tbl>
+          </a:graphicData>
+        </a:graphic>
+      </p:graphicFrame>
+      <p:pic>
+        <p:nvPicPr>
+          <p:cNvPr id="5" name="Imagem 4"/>
+          <p:cNvPicPr>
+            <a:picLocks noChangeAspect="1"/>
+          </p:cNvPicPr>
+          <p:nvPr/>
+        </p:nvPicPr>
+        <p:blipFill>
+          <a:blip r:embed="rId2"/>
+          <a:stretch>
+            <a:fillRect/>
+          </a:stretch>
+        </p:blipFill>
+        <p:spPr>
+          <a:xfrm>
+            <a:off x="406271" y="1451988"/>
+            <a:ext cx="7518530" cy="4032532"/>
+          </a:xfrm>
+          <a:prstGeom prst="rect">
+            <a:avLst/>
+          </a:prstGeom>
+        </p:spPr>
+      </p:pic>
+    </p:spTree>
+    <p:extLst>
+      <p:ext uri="{BB962C8B-B14F-4D97-AF65-F5344CB8AC3E}">
+        <p14:creationId xmlns:p14="http://schemas.microsoft.com/office/powerpoint/2010/main" val="1052208053"/>
+      </p:ext>
+    </p:extLst>
+  </p:cSld>
+  <p:clrMapOvr>
+    <a:masterClrMapping/>
+  </p:clrMapOvr>
+</p:sld>
+</file>
+
+<file path=ppt/slides/slide4.xml><?xml version="1.0" encoding="utf-8"?>
+<p:sld xmlns:a="http://schemas.openxmlformats.org/drawingml/2006/main" xmlns:r="http://schemas.openxmlformats.org/officeDocument/2006/relationships" xmlns:p="http://schemas.openxmlformats.org/presentationml/2006/main">
+  <p:cSld>
+    <p:spTree>
+      <p:nvGrpSpPr>
+        <p:cNvPr id="1" name=""/>
+        <p:cNvGrpSpPr/>
+        <p:nvPr/>
+      </p:nvGrpSpPr>
+      <p:grpSpPr>
+        <a:xfrm>
+          <a:off x="0" y="0"/>
+          <a:ext cx="0" cy="0"/>
+          <a:chOff x="0" y="0"/>
+          <a:chExt cx="0" cy="0"/>
+        </a:xfrm>
+      </p:grpSpPr>
+      <p:sp>
+        <p:nvSpPr>
+          <p:cNvPr id="13" name="Retângulo 12">
+            <a:extLst>
+              <a:ext uri="{FF2B5EF4-FFF2-40B4-BE49-F238E27FC236}">
+                <a16:creationId xmlns:a16="http://schemas.microsoft.com/office/drawing/2014/main" id="{CB042C5A-D96A-4BBE-9387-92F5F24B0F38}"/>
+              </a:ext>
+            </a:extLst>
+          </p:cNvPr>
+          <p:cNvSpPr/>
+          <p:nvPr/>
+        </p:nvSpPr>
+        <p:spPr>
+          <a:xfrm>
+            <a:off x="0" y="0"/>
+            <a:ext cx="12192000" cy="6858000"/>
+          </a:xfrm>
+          <a:prstGeom prst="rect">
+            <a:avLst/>
+          </a:prstGeom>
+          <a:solidFill>
+            <a:srgbClr val="1A1B23"/>
+          </a:solidFill>
+          <a:ln>
+            <a:solidFill>
+              <a:srgbClr val="1A1B23"/>
+            </a:solidFill>
+          </a:ln>
+        </p:spPr>
+        <p:style>
+          <a:lnRef idx="2">
+            <a:schemeClr val="accent1">
+              <a:shade val="50000"/>
+            </a:schemeClr>
+          </a:lnRef>
+          <a:fillRef idx="1">
+            <a:schemeClr val="accent1"/>
+          </a:fillRef>
+          <a:effectRef idx="0">
+            <a:schemeClr val="accent1"/>
+          </a:effectRef>
+          <a:fontRef idx="minor">
+            <a:schemeClr val="lt1"/>
+          </a:fontRef>
+        </p:style>
+        <p:txBody>
+          <a:bodyPr rtlCol="0" anchor="ctr"/>
+          <a:lstStyle/>
+          <a:p>
+            <a:pPr algn="ctr"/>
+            <a:endParaRPr lang="pt-BR" u="sng"/>
+          </a:p>
+        </p:txBody>
+      </p:sp>
+      <p:sp>
+        <p:nvSpPr>
+          <p:cNvPr id="16" name="Título 15">
+            <a:extLst>
+              <a:ext uri="{FF2B5EF4-FFF2-40B4-BE49-F238E27FC236}">
+                <a16:creationId xmlns:a16="http://schemas.microsoft.com/office/drawing/2014/main" id="{06FCFD96-84DA-4DFB-9B63-CC15F91ADDE9}"/>
+              </a:ext>
+            </a:extLst>
+          </p:cNvPr>
+          <p:cNvSpPr>
+            <a:spLocks noGrp="1"/>
+          </p:cNvSpPr>
+          <p:nvPr>
+            <p:ph type="title"/>
+          </p:nvPr>
+        </p:nvSpPr>
+        <p:spPr>
+          <a:xfrm>
+            <a:off x="292681" y="31740"/>
+            <a:ext cx="10168128" cy="1179576"/>
+          </a:xfrm>
+        </p:spPr>
+        <p:txBody>
+          <a:bodyPr/>
+          <a:lstStyle/>
+          <a:p>
+            <a:r>
+              <a:rPr lang="pt-BR" b="1" dirty="0">
+                <a:solidFill>
+                  <a:schemeClr val="bg1"/>
+                </a:solidFill>
+              </a:rPr>
+              <a:t>Procedimento </a:t>
+            </a:r>
+            <a:r>
+              <a:rPr lang="pt-BR" b="1" dirty="0" smtClean="0">
+                <a:solidFill>
+                  <a:schemeClr val="bg1"/>
+                </a:solidFill>
+              </a:rPr>
+              <a:t>Venda </a:t>
+            </a:r>
+            <a:r>
+              <a:rPr lang="pt-BR" b="1" dirty="0" smtClean="0">
+                <a:solidFill>
+                  <a:srgbClr val="37CA5A"/>
+                </a:solidFill>
+              </a:rPr>
+              <a:t>criadorDeCliente</a:t>
+            </a:r>
+            <a:r>
+              <a:rPr lang="pt-BR" b="1" dirty="0" smtClean="0">
+                <a:solidFill>
+                  <a:schemeClr val="bg1"/>
+                </a:solidFill>
+              </a:rPr>
+              <a:t>();</a:t>
+            </a:r>
+            <a:endParaRPr lang="pt-BR" b="1" dirty="0">
+              <a:solidFill>
+                <a:schemeClr val="bg1"/>
+              </a:solidFill>
+            </a:endParaRPr>
+          </a:p>
+        </p:txBody>
+      </p:sp>
+      <p:graphicFrame>
+        <p:nvGraphicFramePr>
+          <p:cNvPr id="10" name="Tabela 10">
+            <a:extLst>
+              <a:ext uri="{FF2B5EF4-FFF2-40B4-BE49-F238E27FC236}">
+                <a16:creationId xmlns:a16="http://schemas.microsoft.com/office/drawing/2014/main" id="{B747D28A-5E6F-477B-9519-969EF23FD800}"/>
+              </a:ext>
+            </a:extLst>
+          </p:cNvPr>
+          <p:cNvGraphicFramePr>
+            <a:graphicFrameLocks noGrp="1"/>
+          </p:cNvGraphicFramePr>
+          <p:nvPr>
+            <p:extLst>
+              <p:ext uri="{D42A27DB-BD31-4B8C-83A1-F6EECF244321}">
+                <p14:modId xmlns:p14="http://schemas.microsoft.com/office/powerpoint/2010/main" val="202107325"/>
+              </p:ext>
+            </p:extLst>
+          </p:nvPr>
+        </p:nvGraphicFramePr>
+        <p:xfrm>
+          <a:off x="7946906" y="1095914"/>
+          <a:ext cx="3782639" cy="2813751"/>
+        </p:xfrm>
+        <a:graphic>
+          <a:graphicData uri="http://schemas.openxmlformats.org/drawingml/2006/table">
+            <a:tbl>
+              <a:tblPr firstRow="1" bandRow="1">
+                <a:tableStyleId>{073A0DAA-6AF3-43AB-8588-CEC1D06C72B9}</a:tableStyleId>
+              </a:tblPr>
+              <a:tblGrid>
+                <a:gridCol w="3782639">
+                  <a:extLst>
+                    <a:ext uri="{9D8B030D-6E8A-4147-A177-3AD203B41FA5}">
+                      <a16:colId xmlns:a16="http://schemas.microsoft.com/office/drawing/2014/main" val="1800561561"/>
+                    </a:ext>
+                  </a:extLst>
+                </a:gridCol>
+              </a:tblGrid>
               <a:tr h="937917">
                 <a:tc>
                   <a:txBody>
                     <a:bodyPr/>
                     <a:lstStyle/>
                     <a:p>
-                      <a:endParaRPr lang="pt-BR" b="1" dirty="0">
+                      <a:r>
+                        <a:rPr lang="pt-BR" b="1" dirty="0" smtClean="0">
+                          <a:solidFill>
+                            <a:schemeClr val="bg1"/>
+                          </a:solidFill>
+                        </a:rPr>
+                        <a:t>Estrutura de repetição:</a:t>
+                      </a:r>
+                    </a:p>
+                    <a:p>
+                      <a:r>
+                        <a:rPr lang="pt-BR" b="1" dirty="0" smtClean="0">
+                          <a:solidFill>
+                            <a:srgbClr val="8C4B71"/>
+                          </a:solidFill>
+                        </a:rPr>
+                        <a:t>do</a:t>
+                      </a:r>
+                    </a:p>
+                  </a:txBody>
+                  <a:tcPr>
+                    <a:lnL w="12700" cmpd="sng">
+                      <a:noFill/>
+                    </a:lnL>
+                    <a:lnR w="12700" cmpd="sng">
+                      <a:noFill/>
+                    </a:lnR>
+                    <a:lnT w="12700" cmpd="sng">
+                      <a:noFill/>
+                    </a:lnT>
+                    <a:lnB w="38100" cmpd="sng">
+                      <a:noFill/>
+                    </a:lnB>
+                    <a:lnTlToBr w="12700" cmpd="sng">
+                      <a:noFill/>
+                      <a:prstDash val="solid"/>
+                    </a:lnTlToBr>
+                    <a:lnBlToTr w="12700" cmpd="sng">
+                      <a:noFill/>
+                      <a:prstDash val="solid"/>
+                    </a:lnBlToTr>
+                    <a:solidFill>
+                      <a:srgbClr val="282A36"/>
+                    </a:solidFill>
+                  </a:tcPr>
+                </a:tc>
+                <a:extLst>
+                  <a:ext uri="{0D108BD9-81ED-4DB2-BD59-A6C34878D82A}">
+                    <a16:rowId xmlns:a16="http://schemas.microsoft.com/office/drawing/2014/main" val="1716957265"/>
+                  </a:ext>
+                </a:extLst>
+              </a:tr>
+              <a:tr h="937917">
+                <a:tc>
+                  <a:txBody>
+                    <a:bodyPr/>
+                    <a:lstStyle/>
+                    <a:p>
+                      <a:r>
+                        <a:rPr lang="pt-BR" b="1" dirty="0" smtClean="0">
+                          <a:solidFill>
+                            <a:schemeClr val="bg1"/>
+                          </a:solidFill>
+                        </a:rPr>
+                        <a:t>Estrutura de comparação:</a:t>
+                      </a:r>
+                    </a:p>
+                    <a:p>
+                      <a:r>
+                        <a:rPr lang="pt-BR" b="1" dirty="0" smtClean="0">
+                          <a:solidFill>
+                            <a:srgbClr val="8C4B71"/>
+                          </a:solidFill>
+                        </a:rPr>
+                        <a:t>if</a:t>
+                      </a:r>
+                    </a:p>
+                  </a:txBody>
+                  <a:tcPr>
+                    <a:lnL w="12700" cmpd="sng">
+                      <a:noFill/>
+                    </a:lnL>
+                    <a:lnR w="12700" cmpd="sng">
+                      <a:noFill/>
+                    </a:lnR>
+                    <a:lnT w="12700" cmpd="sng">
+                      <a:noFill/>
+                    </a:lnT>
+                    <a:lnB w="38100" cmpd="sng">
+                      <a:noFill/>
+                    </a:lnB>
+                    <a:lnTlToBr w="12700" cmpd="sng">
+                      <a:noFill/>
+                      <a:prstDash val="solid"/>
+                    </a:lnTlToBr>
+                    <a:lnBlToTr w="12700" cmpd="sng">
+                      <a:noFill/>
+                      <a:prstDash val="solid"/>
+                    </a:lnBlToTr>
+                    <a:solidFill>
+                      <a:srgbClr val="282A36"/>
+                    </a:solidFill>
+                  </a:tcPr>
+                </a:tc>
+                <a:extLst>
+                  <a:ext uri="{0D108BD9-81ED-4DB2-BD59-A6C34878D82A}">
+                    <a16:rowId xmlns:a16="http://schemas.microsoft.com/office/drawing/2014/main" val="2800436706"/>
+                  </a:ext>
+                </a:extLst>
+              </a:tr>
+              <a:tr h="937917">
+                <a:tc>
+                  <a:txBody>
+                    <a:bodyPr/>
+                    <a:lstStyle/>
+                    <a:p>
+                      <a:r>
+                        <a:rPr lang="pt-BR" b="1" dirty="0" smtClean="0">
+                          <a:solidFill>
+                            <a:schemeClr val="bg1"/>
+                          </a:solidFill>
+                        </a:rPr>
+                        <a:t>Função: </a:t>
+                      </a:r>
+                    </a:p>
+                    <a:p>
+                      <a:r>
+                        <a:rPr lang="pt-BR" b="1" dirty="0" smtClean="0">
+                          <a:solidFill>
+                            <a:srgbClr val="6CE0D9"/>
+                          </a:solidFill>
+                        </a:rPr>
+                        <a:t>Integer.</a:t>
+                      </a:r>
+                      <a:r>
+                        <a:rPr lang="pt-BR" b="1" dirty="0" smtClean="0">
+                          <a:solidFill>
+                            <a:srgbClr val="37CA5A"/>
+                          </a:solidFill>
+                        </a:rPr>
+                        <a:t>toString</a:t>
+                      </a:r>
+                    </a:p>
+                    <a:p>
+                      <a:endParaRPr lang="pt-BR" b="1" baseline="0" dirty="0" smtClean="0">
                         <a:solidFill>
-                          <a:srgbClr val="0F1B50"/>
+                          <a:schemeClr val="bg1"/>
                         </a:solidFill>
                       </a:endParaRPr>
                     </a:p>
@@ -6210,7 +6587,7 @@
                     <a:lnT w="12700" cmpd="sng">
                       <a:noFill/>
                     </a:lnT>
-                    <a:lnB w="12700" cmpd="sng">
+                    <a:lnB w="38100" cmpd="sng">
                       <a:noFill/>
                     </a:lnB>
                     <a:lnTlToBr w="12700" cmpd="sng">
@@ -6222,23 +6599,265 @@
                       <a:prstDash val="solid"/>
                     </a:lnBlToTr>
                     <a:solidFill>
-                      <a:srgbClr val="313343"/>
+                      <a:srgbClr val="282A36"/>
                     </a:solidFill>
                   </a:tcPr>
                 </a:tc>
                 <a:extLst>
                   <a:ext uri="{0D108BD9-81ED-4DB2-BD59-A6C34878D82A}">
-                    <a16:rowId xmlns:a16="http://schemas.microsoft.com/office/drawing/2014/main" val="1723190118"/>
+                    <a16:rowId xmlns:a16="http://schemas.microsoft.com/office/drawing/2014/main" val="4135816290"/>
                   </a:ext>
                 </a:extLst>
               </a:tr>
-              <a:tr h="937917">
+            </a:tbl>
+          </a:graphicData>
+        </a:graphic>
+      </p:graphicFrame>
+      <p:pic>
+        <p:nvPicPr>
+          <p:cNvPr id="8" name="Imagem 7"/>
+          <p:cNvPicPr>
+            <a:picLocks noChangeAspect="1"/>
+          </p:cNvPicPr>
+          <p:nvPr/>
+        </p:nvPicPr>
+        <p:blipFill>
+          <a:blip r:embed="rId2"/>
+          <a:stretch>
+            <a:fillRect/>
+          </a:stretch>
+        </p:blipFill>
+        <p:spPr>
+          <a:xfrm>
+            <a:off x="423521" y="1095914"/>
+            <a:ext cx="7268589" cy="5344271"/>
+          </a:xfrm>
+          <a:prstGeom prst="rect">
+            <a:avLst/>
+          </a:prstGeom>
+        </p:spPr>
+      </p:pic>
+    </p:spTree>
+    <p:extLst>
+      <p:ext uri="{BB962C8B-B14F-4D97-AF65-F5344CB8AC3E}">
+        <p14:creationId xmlns:p14="http://schemas.microsoft.com/office/powerpoint/2010/main" val="3974194691"/>
+      </p:ext>
+    </p:extLst>
+  </p:cSld>
+  <p:clrMapOvr>
+    <a:masterClrMapping/>
+  </p:clrMapOvr>
+</p:sld>
+</file>
+
+<file path=ppt/slides/slide5.xml><?xml version="1.0" encoding="utf-8"?>
+<p:sld xmlns:a="http://schemas.openxmlformats.org/drawingml/2006/main" xmlns:r="http://schemas.openxmlformats.org/officeDocument/2006/relationships" xmlns:p="http://schemas.openxmlformats.org/presentationml/2006/main">
+  <p:cSld>
+    <p:spTree>
+      <p:nvGrpSpPr>
+        <p:cNvPr id="1" name=""/>
+        <p:cNvGrpSpPr/>
+        <p:nvPr/>
+      </p:nvGrpSpPr>
+      <p:grpSpPr>
+        <a:xfrm>
+          <a:off x="0" y="0"/>
+          <a:ext cx="0" cy="0"/>
+          <a:chOff x="0" y="0"/>
+          <a:chExt cx="0" cy="0"/>
+        </a:xfrm>
+      </p:grpSpPr>
+      <p:sp>
+        <p:nvSpPr>
+          <p:cNvPr id="13" name="Retângulo 12">
+            <a:extLst>
+              <a:ext uri="{FF2B5EF4-FFF2-40B4-BE49-F238E27FC236}">
+                <a16:creationId xmlns:a16="http://schemas.microsoft.com/office/drawing/2014/main" id="{CB042C5A-D96A-4BBE-9387-92F5F24B0F38}"/>
+              </a:ext>
+            </a:extLst>
+          </p:cNvPr>
+          <p:cNvSpPr/>
+          <p:nvPr/>
+        </p:nvSpPr>
+        <p:spPr>
+          <a:xfrm>
+            <a:off x="0" y="0"/>
+            <a:ext cx="12192000" cy="6858000"/>
+          </a:xfrm>
+          <a:prstGeom prst="rect">
+            <a:avLst/>
+          </a:prstGeom>
+          <a:solidFill>
+            <a:srgbClr val="1A1B23"/>
+          </a:solidFill>
+          <a:ln>
+            <a:solidFill>
+              <a:srgbClr val="1A1B23"/>
+            </a:solidFill>
+          </a:ln>
+        </p:spPr>
+        <p:style>
+          <a:lnRef idx="2">
+            <a:schemeClr val="accent1">
+              <a:shade val="50000"/>
+            </a:schemeClr>
+          </a:lnRef>
+          <a:fillRef idx="1">
+            <a:schemeClr val="accent1"/>
+          </a:fillRef>
+          <a:effectRef idx="0">
+            <a:schemeClr val="accent1"/>
+          </a:effectRef>
+          <a:fontRef idx="minor">
+            <a:schemeClr val="lt1"/>
+          </a:fontRef>
+        </p:style>
+        <p:txBody>
+          <a:bodyPr rtlCol="0" anchor="ctr"/>
+          <a:lstStyle/>
+          <a:p>
+            <a:pPr algn="ctr"/>
+            <a:endParaRPr lang="pt-BR" u="sng"/>
+          </a:p>
+        </p:txBody>
+      </p:sp>
+      <p:sp>
+        <p:nvSpPr>
+          <p:cNvPr id="16" name="Título 15">
+            <a:extLst>
+              <a:ext uri="{FF2B5EF4-FFF2-40B4-BE49-F238E27FC236}">
+                <a16:creationId xmlns:a16="http://schemas.microsoft.com/office/drawing/2014/main" id="{06FCFD96-84DA-4DFB-9B63-CC15F91ADDE9}"/>
+              </a:ext>
+            </a:extLst>
+          </p:cNvPr>
+          <p:cNvSpPr>
+            <a:spLocks noGrp="1"/>
+          </p:cNvSpPr>
+          <p:nvPr>
+            <p:ph type="title"/>
+          </p:nvPr>
+        </p:nvSpPr>
+        <p:spPr>
+          <a:xfrm>
+            <a:off x="292681" y="31740"/>
+            <a:ext cx="10168128" cy="1179576"/>
+          </a:xfrm>
+        </p:spPr>
+        <p:txBody>
+          <a:bodyPr/>
+          <a:lstStyle/>
+          <a:p>
+            <a:r>
+              <a:rPr lang="pt-BR" b="1" dirty="0">
+                <a:solidFill>
+                  <a:schemeClr val="bg1"/>
+                </a:solidFill>
+              </a:rPr>
+              <a:t>Procedimento Venda </a:t>
+            </a:r>
+            <a:r>
+              <a:rPr lang="pt-BR" b="1" dirty="0">
+                <a:solidFill>
+                  <a:srgbClr val="37CA5A"/>
+                </a:solidFill>
+              </a:rPr>
+              <a:t>criaVenda</a:t>
+            </a:r>
+            <a:r>
+              <a:rPr lang="pt-BR" b="1" dirty="0">
+                <a:solidFill>
+                  <a:schemeClr val="bg1"/>
+                </a:solidFill>
+              </a:rPr>
+              <a:t>();</a:t>
+            </a:r>
+          </a:p>
+        </p:txBody>
+      </p:sp>
+      <p:graphicFrame>
+        <p:nvGraphicFramePr>
+          <p:cNvPr id="10" name="Tabela 10">
+            <a:extLst>
+              <a:ext uri="{FF2B5EF4-FFF2-40B4-BE49-F238E27FC236}">
+                <a16:creationId xmlns:a16="http://schemas.microsoft.com/office/drawing/2014/main" id="{B747D28A-5E6F-477B-9519-969EF23FD800}"/>
+              </a:ext>
+            </a:extLst>
+          </p:cNvPr>
+          <p:cNvGraphicFramePr>
+            <a:graphicFrameLocks noGrp="1"/>
+          </p:cNvGraphicFramePr>
+          <p:nvPr>
+            <p:extLst>
+              <p:ext uri="{D42A27DB-BD31-4B8C-83A1-F6EECF244321}">
+                <p14:modId xmlns:p14="http://schemas.microsoft.com/office/powerpoint/2010/main" val="2675096036"/>
+              </p:ext>
+            </p:extLst>
+          </p:nvPr>
+        </p:nvGraphicFramePr>
+        <p:xfrm>
+          <a:off x="6096000" y="1095914"/>
+          <a:ext cx="5610045" cy="2669347"/>
+        </p:xfrm>
+        <a:graphic>
+          <a:graphicData uri="http://schemas.openxmlformats.org/drawingml/2006/table">
+            <a:tbl>
+              <a:tblPr firstRow="1" bandRow="1">
+                <a:tableStyleId>{073A0DAA-6AF3-43AB-8588-CEC1D06C72B9}</a:tableStyleId>
+              </a:tblPr>
+              <a:tblGrid>
+                <a:gridCol w="5610045">
+                  <a:extLst>
+                    <a:ext uri="{9D8B030D-6E8A-4147-A177-3AD203B41FA5}">
+                      <a16:colId xmlns:a16="http://schemas.microsoft.com/office/drawing/2014/main" val="1800561561"/>
+                    </a:ext>
+                  </a:extLst>
+                </a:gridCol>
+              </a:tblGrid>
+              <a:tr h="927468">
                 <a:tc>
                   <a:txBody>
                     <a:bodyPr/>
                     <a:lstStyle/>
                     <a:p>
-                      <a:endParaRPr lang="pt-BR" dirty="0"/>
+                      <a:r>
+                        <a:rPr lang="pt-BR" b="1" dirty="0" smtClean="0">
+                          <a:solidFill>
+                            <a:schemeClr val="bg1"/>
+                          </a:solidFill>
+                        </a:rPr>
+                        <a:t>Estrutura de repetição:</a:t>
+                      </a:r>
+                    </a:p>
+                    <a:p>
+                      <a:r>
+                        <a:rPr lang="pt-BR" b="1" dirty="0" smtClean="0">
+                          <a:solidFill>
+                            <a:srgbClr val="8C4B71"/>
+                          </a:solidFill>
+                        </a:rPr>
+                        <a:t>do </a:t>
+                      </a:r>
+                      <a:r>
+                        <a:rPr lang="pt-BR" b="1" dirty="0" smtClean="0">
+                          <a:solidFill>
+                            <a:schemeClr val="bg1"/>
+                          </a:solidFill>
+                        </a:rPr>
+                        <a:t>e</a:t>
+                      </a:r>
+                      <a:r>
+                        <a:rPr lang="pt-BR" b="1" baseline="0" dirty="0" smtClean="0">
+                          <a:solidFill>
+                            <a:srgbClr val="8C4B71"/>
+                          </a:solidFill>
+                        </a:rPr>
+                        <a:t> for</a:t>
+                      </a:r>
+                      <a:endParaRPr lang="pt-BR" b="1" dirty="0" smtClean="0">
+                        <a:solidFill>
+                          <a:srgbClr val="8C4B71"/>
+                        </a:solidFill>
+                      </a:endParaRPr>
                     </a:p>
                   </a:txBody>
                   <a:tcPr>
@@ -6251,7 +6870,7 @@
                     <a:lnT w="12700" cmpd="sng">
                       <a:noFill/>
                     </a:lnT>
-                    <a:lnB w="12700" cmpd="sng">
+                    <a:lnB w="38100" cmpd="sng">
                       <a:noFill/>
                     </a:lnB>
                     <a:lnTlToBr w="12700" cmpd="sng">
@@ -6263,13 +6882,181 @@
                       <a:prstDash val="solid"/>
                     </a:lnBlToTr>
                     <a:solidFill>
-                      <a:srgbClr val="313343"/>
+                      <a:srgbClr val="282A36"/>
                     </a:solidFill>
                   </a:tcPr>
                 </a:tc>
                 <a:extLst>
                   <a:ext uri="{0D108BD9-81ED-4DB2-BD59-A6C34878D82A}">
-                    <a16:rowId xmlns:a16="http://schemas.microsoft.com/office/drawing/2014/main" val="2844449537"/>
+                    <a16:rowId xmlns:a16="http://schemas.microsoft.com/office/drawing/2014/main" val="1716957265"/>
+                  </a:ext>
+                </a:extLst>
+              </a:tr>
+              <a:tr h="814411">
+                <a:tc>
+                  <a:txBody>
+                    <a:bodyPr/>
+                    <a:lstStyle/>
+                    <a:p>
+                      <a:r>
+                        <a:rPr lang="pt-BR" b="1" dirty="0" smtClean="0">
+                          <a:solidFill>
+                            <a:schemeClr val="bg1"/>
+                          </a:solidFill>
+                        </a:rPr>
+                        <a:t>Estrutura de comparação:</a:t>
+                      </a:r>
+                    </a:p>
+                    <a:p>
+                      <a:r>
+                        <a:rPr lang="pt-BR" b="1" dirty="0" smtClean="0">
+                          <a:solidFill>
+                            <a:srgbClr val="8C4B71"/>
+                          </a:solidFill>
+                        </a:rPr>
+                        <a:t>if</a:t>
+                      </a:r>
+                    </a:p>
+                  </a:txBody>
+                  <a:tcPr>
+                    <a:lnL w="12700" cmpd="sng">
+                      <a:noFill/>
+                    </a:lnL>
+                    <a:lnR w="12700" cmpd="sng">
+                      <a:noFill/>
+                    </a:lnR>
+                    <a:lnT w="12700" cmpd="sng">
+                      <a:noFill/>
+                    </a:lnT>
+                    <a:lnB w="38100" cmpd="sng">
+                      <a:noFill/>
+                    </a:lnB>
+                    <a:lnTlToBr w="12700" cmpd="sng">
+                      <a:noFill/>
+                      <a:prstDash val="solid"/>
+                    </a:lnTlToBr>
+                    <a:lnBlToTr w="12700" cmpd="sng">
+                      <a:noFill/>
+                      <a:prstDash val="solid"/>
+                    </a:lnBlToTr>
+                    <a:solidFill>
+                      <a:srgbClr val="282A36"/>
+                    </a:solidFill>
+                  </a:tcPr>
+                </a:tc>
+                <a:extLst>
+                  <a:ext uri="{0D108BD9-81ED-4DB2-BD59-A6C34878D82A}">
+                    <a16:rowId xmlns:a16="http://schemas.microsoft.com/office/drawing/2014/main" val="2800436706"/>
+                  </a:ext>
+                </a:extLst>
+              </a:tr>
+              <a:tr h="927468">
+                <a:tc>
+                  <a:txBody>
+                    <a:bodyPr/>
+                    <a:lstStyle/>
+                    <a:p>
+                      <a:pPr marL="0" marR="0" lvl="0" indent="0" algn="l" defTabSz="914400" rtl="0" eaLnBrk="1" fontAlgn="auto" latinLnBrk="0" hangingPunct="1">
+                        <a:lnSpc>
+                          <a:spcPct val="100000"/>
+                        </a:lnSpc>
+                        <a:spcBef>
+                          <a:spcPts val="0"/>
+                        </a:spcBef>
+                        <a:spcAft>
+                          <a:spcPts val="0"/>
+                        </a:spcAft>
+                        <a:buClrTx/>
+                        <a:buSzTx/>
+                        <a:buFontTx/>
+                        <a:buNone/>
+                        <a:tabLst/>
+                        <a:defRPr/>
+                      </a:pPr>
+                      <a:r>
+                        <a:rPr kumimoji="0" lang="pt-BR" sz="1800" b="1" i="0" u="none" strike="noStrike" kern="1200" cap="none" spc="0" normalizeH="0" baseline="0" noProof="0" dirty="0" smtClean="0">
+                          <a:ln>
+                            <a:noFill/>
+                          </a:ln>
+                          <a:solidFill>
+                            <a:srgbClr val="FFFFFF"/>
+                          </a:solidFill>
+                          <a:effectLst/>
+                          <a:uLnTx/>
+                          <a:uFillTx/>
+                          <a:latin typeface="Avenir Next LT Pro"/>
+                          <a:ea typeface="+mn-ea"/>
+                          <a:cs typeface="+mn-cs"/>
+                        </a:rPr>
+                        <a:t>Função: </a:t>
+                      </a:r>
+                    </a:p>
+                    <a:p>
+                      <a:pPr marL="0" marR="0" lvl="0" indent="0" algn="l" defTabSz="914400" rtl="0" eaLnBrk="1" fontAlgn="auto" latinLnBrk="0" hangingPunct="1">
+                        <a:lnSpc>
+                          <a:spcPct val="100000"/>
+                        </a:lnSpc>
+                        <a:spcBef>
+                          <a:spcPts val="0"/>
+                        </a:spcBef>
+                        <a:spcAft>
+                          <a:spcPts val="0"/>
+                        </a:spcAft>
+                        <a:buClrTx/>
+                        <a:buSzTx/>
+                        <a:buFontTx/>
+                        <a:buNone/>
+                        <a:tabLst/>
+                        <a:defRPr/>
+                      </a:pPr>
+                      <a:r>
+                        <a:rPr kumimoji="0" lang="pt-BR" sz="1800" b="1" i="0" u="none" strike="noStrike" kern="1200" cap="none" spc="0" normalizeH="0" baseline="0" noProof="0" dirty="0" smtClean="0">
+                          <a:ln>
+                            <a:noFill/>
+                          </a:ln>
+                          <a:solidFill>
+                            <a:srgbClr val="37CA5A"/>
+                          </a:solidFill>
+                          <a:effectLst/>
+                          <a:uLnTx/>
+                          <a:uFillTx/>
+                          <a:latin typeface="Avenir Next LT Pro"/>
+                          <a:ea typeface="+mn-ea"/>
+                          <a:cs typeface="+mn-cs"/>
+                        </a:rPr>
+                        <a:t>.split</a:t>
+                      </a:r>
+                    </a:p>
+                  </a:txBody>
+                  <a:tcPr>
+                    <a:lnL w="12700" cmpd="sng">
+                      <a:noFill/>
+                    </a:lnL>
+                    <a:lnR w="12700" cmpd="sng">
+                      <a:noFill/>
+                    </a:lnR>
+                    <a:lnT w="12700" cmpd="sng">
+                      <a:noFill/>
+                    </a:lnT>
+                    <a:lnB w="38100" cmpd="sng">
+                      <a:noFill/>
+                    </a:lnB>
+                    <a:lnTlToBr w="12700" cmpd="sng">
+                      <a:noFill/>
+                      <a:prstDash val="solid"/>
+                    </a:lnTlToBr>
+                    <a:lnBlToTr w="12700" cmpd="sng">
+                      <a:noFill/>
+                      <a:prstDash val="solid"/>
+                    </a:lnBlToTr>
+                    <a:solidFill>
+                      <a:srgbClr val="282A36"/>
+                    </a:solidFill>
+                  </a:tcPr>
+                </a:tc>
+                <a:extLst>
+                  <a:ext uri="{0D108BD9-81ED-4DB2-BD59-A6C34878D82A}">
+                    <a16:rowId xmlns:a16="http://schemas.microsoft.com/office/drawing/2014/main" val="4135816290"/>
                   </a:ext>
                 </a:extLst>
               </a:tr>
@@ -6277,10 +7064,34 @@
           </a:graphicData>
         </a:graphic>
       </p:graphicFrame>
+      <p:pic>
+        <p:nvPicPr>
+          <p:cNvPr id="2" name="Imagem 1"/>
+          <p:cNvPicPr>
+            <a:picLocks noChangeAspect="1"/>
+          </p:cNvPicPr>
+          <p:nvPr/>
+        </p:nvPicPr>
+        <p:blipFill>
+          <a:blip r:embed="rId2"/>
+          <a:stretch>
+            <a:fillRect/>
+          </a:stretch>
+        </p:blipFill>
+        <p:spPr>
+          <a:xfrm>
+            <a:off x="397784" y="1095914"/>
+            <a:ext cx="5212261" cy="5431010"/>
+          </a:xfrm>
+          <a:prstGeom prst="rect">
+            <a:avLst/>
+          </a:prstGeom>
+        </p:spPr>
+      </p:pic>
     </p:spTree>
     <p:extLst>
       <p:ext uri="{BB962C8B-B14F-4D97-AF65-F5344CB8AC3E}">
-        <p14:creationId xmlns:p14="http://schemas.microsoft.com/office/powerpoint/2010/main" val="1052208053"/>
+        <p14:creationId xmlns:p14="http://schemas.microsoft.com/office/powerpoint/2010/main" val="171644048"/>
       </p:ext>
     </p:extLst>
   </p:cSld>
